--- a/Github workflow.pptx
+++ b/Github workflow.pptx
@@ -263,7 +263,7 @@
           <a:p>
             <a:fld id="{8B5FEDCD-E7D7-4981-B23B-FB7EE4878F0C}" type="datetimeFigureOut">
               <a:rPr lang="en-GB" smtClean="0"/>
-              <a:t>26/04/2018</a:t>
+              <a:t>29/04/2018</a:t>
             </a:fld>
             <a:endParaRPr lang="en-GB"/>
           </a:p>
@@ -463,7 +463,7 @@
           <a:p>
             <a:fld id="{8B5FEDCD-E7D7-4981-B23B-FB7EE4878F0C}" type="datetimeFigureOut">
               <a:rPr lang="en-GB" smtClean="0"/>
-              <a:t>26/04/2018</a:t>
+              <a:t>29/04/2018</a:t>
             </a:fld>
             <a:endParaRPr lang="en-GB"/>
           </a:p>
@@ -673,7 +673,7 @@
           <a:p>
             <a:fld id="{8B5FEDCD-E7D7-4981-B23B-FB7EE4878F0C}" type="datetimeFigureOut">
               <a:rPr lang="en-GB" smtClean="0"/>
-              <a:t>26/04/2018</a:t>
+              <a:t>29/04/2018</a:t>
             </a:fld>
             <a:endParaRPr lang="en-GB"/>
           </a:p>
@@ -873,7 +873,7 @@
           <a:p>
             <a:fld id="{8B5FEDCD-E7D7-4981-B23B-FB7EE4878F0C}" type="datetimeFigureOut">
               <a:rPr lang="en-GB" smtClean="0"/>
-              <a:t>26/04/2018</a:t>
+              <a:t>29/04/2018</a:t>
             </a:fld>
             <a:endParaRPr lang="en-GB"/>
           </a:p>
@@ -1149,7 +1149,7 @@
           <a:p>
             <a:fld id="{8B5FEDCD-E7D7-4981-B23B-FB7EE4878F0C}" type="datetimeFigureOut">
               <a:rPr lang="en-GB" smtClean="0"/>
-              <a:t>26/04/2018</a:t>
+              <a:t>29/04/2018</a:t>
             </a:fld>
             <a:endParaRPr lang="en-GB"/>
           </a:p>
@@ -1417,7 +1417,7 @@
           <a:p>
             <a:fld id="{8B5FEDCD-E7D7-4981-B23B-FB7EE4878F0C}" type="datetimeFigureOut">
               <a:rPr lang="en-GB" smtClean="0"/>
-              <a:t>26/04/2018</a:t>
+              <a:t>29/04/2018</a:t>
             </a:fld>
             <a:endParaRPr lang="en-GB"/>
           </a:p>
@@ -1832,7 +1832,7 @@
           <a:p>
             <a:fld id="{8B5FEDCD-E7D7-4981-B23B-FB7EE4878F0C}" type="datetimeFigureOut">
               <a:rPr lang="en-GB" smtClean="0"/>
-              <a:t>26/04/2018</a:t>
+              <a:t>29/04/2018</a:t>
             </a:fld>
             <a:endParaRPr lang="en-GB"/>
           </a:p>
@@ -1974,7 +1974,7 @@
           <a:p>
             <a:fld id="{8B5FEDCD-E7D7-4981-B23B-FB7EE4878F0C}" type="datetimeFigureOut">
               <a:rPr lang="en-GB" smtClean="0"/>
-              <a:t>26/04/2018</a:t>
+              <a:t>29/04/2018</a:t>
             </a:fld>
             <a:endParaRPr lang="en-GB"/>
           </a:p>
@@ -2087,7 +2087,7 @@
           <a:p>
             <a:fld id="{8B5FEDCD-E7D7-4981-B23B-FB7EE4878F0C}" type="datetimeFigureOut">
               <a:rPr lang="en-GB" smtClean="0"/>
-              <a:t>26/04/2018</a:t>
+              <a:t>29/04/2018</a:t>
             </a:fld>
             <a:endParaRPr lang="en-GB"/>
           </a:p>
@@ -2400,7 +2400,7 @@
           <a:p>
             <a:fld id="{8B5FEDCD-E7D7-4981-B23B-FB7EE4878F0C}" type="datetimeFigureOut">
               <a:rPr lang="en-GB" smtClean="0"/>
-              <a:t>26/04/2018</a:t>
+              <a:t>29/04/2018</a:t>
             </a:fld>
             <a:endParaRPr lang="en-GB"/>
           </a:p>
@@ -2689,7 +2689,7 @@
           <a:p>
             <a:fld id="{8B5FEDCD-E7D7-4981-B23B-FB7EE4878F0C}" type="datetimeFigureOut">
               <a:rPr lang="en-GB" smtClean="0"/>
-              <a:t>26/04/2018</a:t>
+              <a:t>29/04/2018</a:t>
             </a:fld>
             <a:endParaRPr lang="en-GB"/>
           </a:p>
@@ -2932,7 +2932,7 @@
           <a:p>
             <a:fld id="{8B5FEDCD-E7D7-4981-B23B-FB7EE4878F0C}" type="datetimeFigureOut">
               <a:rPr lang="en-GB" smtClean="0"/>
-              <a:t>26/04/2018</a:t>
+              <a:t>29/04/2018</a:t>
             </a:fld>
             <a:endParaRPr lang="en-GB"/>
           </a:p>
@@ -3378,12 +3378,8 @@
           <a:lstStyle/>
           <a:p>
             <a:r>
-              <a:rPr lang="en-GB" dirty="0" err="1"/>
-              <a:t>Github</a:t>
-            </a:r>
-            <a:r>
               <a:rPr lang="en-GB" dirty="0"/>
-              <a:t> Workflow</a:t>
+              <a:t>Git Workflow</a:t>
             </a:r>
           </a:p>
         </p:txBody>
@@ -4463,11 +4459,11 @@
             <a:avLst/>
           </a:prstGeom>
           <a:solidFill>
-            <a:srgbClr val="FF0000"/>
+            <a:schemeClr val="tx1"/>
           </a:solidFill>
           <a:ln>
             <a:solidFill>
-              <a:srgbClr val="FF0000"/>
+              <a:schemeClr val="tx1"/>
             </a:solidFill>
           </a:ln>
         </p:spPr>
@@ -4525,11 +4521,7 @@
           <a:lstStyle/>
           <a:p>
             <a:r>
-              <a:rPr lang="en-GB" sz="2000" b="1" dirty="0">
-                <a:solidFill>
-                  <a:srgbClr val="FF0000"/>
-                </a:solidFill>
-              </a:rPr>
+              <a:rPr lang="en-GB" sz="2000" b="1" dirty="0"/>
               <a:t>Pull</a:t>
             </a:r>
           </a:p>
@@ -4806,6 +4798,62 @@
                 </a:solidFill>
               </a:rPr>
               <a:t>Central repo changes </a:t>
+            </a:r>
+          </a:p>
+        </p:txBody>
+      </p:sp>
+      <p:sp>
+        <p:nvSpPr>
+          <p:cNvPr id="17" name="TextBox 16">
+            <a:extLst>
+              <a:ext uri="{FF2B5EF4-FFF2-40B4-BE49-F238E27FC236}">
+                <a16:creationId xmlns:a16="http://schemas.microsoft.com/office/drawing/2014/main" id="{9F9FBCF7-F80E-4E21-B3CF-D1B2307F7BEB}"/>
+              </a:ext>
+            </a:extLst>
+          </p:cNvPr>
+          <p:cNvSpPr txBox="1"/>
+          <p:nvPr/>
+        </p:nvSpPr>
+        <p:spPr>
+          <a:xfrm>
+            <a:off x="3997433" y="5834617"/>
+            <a:ext cx="5193619" cy="923330"/>
+          </a:xfrm>
+          <a:prstGeom prst="rect">
+            <a:avLst/>
+          </a:prstGeom>
+          <a:noFill/>
+        </p:spPr>
+        <p:txBody>
+          <a:bodyPr wrap="square" rtlCol="0">
+            <a:spAutoFit/>
+          </a:bodyPr>
+          <a:lstStyle/>
+          <a:p>
+            <a:pPr algn="ctr"/>
+            <a:r>
+              <a:rPr lang="en-GB" dirty="0">
+                <a:solidFill>
+                  <a:srgbClr val="FF0000"/>
+                </a:solidFill>
+              </a:rPr>
+              <a:t>*The opposite command may be required to complete synchronisation after a Push or Fetch: </a:t>
+            </a:r>
+            <a:r>
+              <a:rPr lang="en-GB" dirty="0" err="1">
+                <a:solidFill>
+                  <a:srgbClr val="FF0000"/>
+                </a:solidFill>
+              </a:rPr>
+              <a:t>Github</a:t>
+            </a:r>
+            <a:r>
+              <a:rPr lang="en-GB" dirty="0">
+                <a:solidFill>
+                  <a:srgbClr val="FF0000"/>
+                </a:solidFill>
+              </a:rPr>
+              <a:t> desktop will do this</a:t>
             </a:r>
           </a:p>
         </p:txBody>
